--- a/习题课课件/分治习题课.pptx
+++ b/习题课课件/分治习题课.pptx
@@ -29,6 +29,9 @@
   </p:sldIdLst>
   <p:sldSz cx="9144000" cy="6858000" type="screen4x3"/>
   <p:notesSz cx="6858000" cy="9144000"/>
+  <p:custDataLst>
+    <p:tags r:id="rId27"/>
+  </p:custDataLst>
   <p:defaultTextStyle>
     <a:defPPr>
       <a:defRPr lang="zh-HK"/>
@@ -23828,7 +23831,7 @@
             <p:spPr>
               <a:xfrm>
                 <a:off x="216111" y="809725"/>
-                <a:ext cx="8518337" cy="5792548"/>
+                <a:ext cx="8518337" cy="5788025"/>
               </a:xfrm>
               <a:prstGeom prst="rect">
                 <a:avLst/>
@@ -23982,220 +23985,115 @@
               </a:p>
               <a:p>
                 <a:r>
-                  <a:rPr lang="en-US" altLang="zh-CN" dirty="0" err="1">
-                    <a:latin typeface="FandolSong-Bold-Identity-H"/>
+                  <a:rPr lang="en-US" altLang="zh-CN" dirty="0">
+                    <a:latin typeface="微软雅黑" panose="020B0503020204020204" pitchFamily="34" charset="-122"/>
                     <a:ea typeface="微软雅黑" panose="020B0503020204020204" pitchFamily="34" charset="-122"/>
                   </a:rPr>
-                  <a:t>Find_Meidian</a:t>
-                </a:r>
-                <a:r>
-                  <a:rPr lang="en-US" altLang="zh-CN" dirty="0">
-                    <a:latin typeface="FandolSong-Bold-Identity-H"/>
-                    <a:ea typeface="微软雅黑" panose="020B0503020204020204" pitchFamily="34" charset="-122"/>
-                  </a:rPr>
-                  <a:t>(LA, RA, LB, RB, A, B)</a:t>
+                  <a:t>Find_Meidian(LA, RA, LB, RB, A, B)</a:t>
                 </a:r>
                 <a:endParaRPr lang="en-US" altLang="zh-CN" dirty="0">
-                  <a:latin typeface="FandolSong-Bold-Identity-H"/>
+                  <a:latin typeface="微软雅黑" panose="020B0503020204020204" pitchFamily="34" charset="-122"/>
                   <a:ea typeface="微软雅黑" panose="020B0503020204020204" pitchFamily="34" charset="-122"/>
                 </a:endParaRPr>
               </a:p>
               <a:p>
                 <a:r>
                   <a:rPr lang="en-US" altLang="zh-CN" dirty="0">
-                    <a:latin typeface="FandolSong-Bold-Identity-H"/>
+                    <a:latin typeface="微软雅黑" panose="020B0503020204020204" pitchFamily="34" charset="-122"/>
                     <a:ea typeface="微软雅黑" panose="020B0503020204020204" pitchFamily="34" charset="-122"/>
                   </a:rPr>
                   <a:t>{</a:t>
                 </a:r>
                 <a:endParaRPr lang="en-US" altLang="zh-CN" dirty="0">
-                  <a:latin typeface="FandolSong-Bold-Identity-H"/>
+                  <a:latin typeface="微软雅黑" panose="020B0503020204020204" pitchFamily="34" charset="-122"/>
                   <a:ea typeface="微软雅黑" panose="020B0503020204020204" pitchFamily="34" charset="-122"/>
                 </a:endParaRPr>
               </a:p>
               <a:p>
                 <a:r>
                   <a:rPr lang="en-US" altLang="zh-CN" dirty="0">
-                    <a:latin typeface="FandolSong-Bold-Identity-H"/>
+                    <a:latin typeface="微软雅黑" panose="020B0503020204020204" pitchFamily="34" charset="-122"/>
                     <a:ea typeface="微软雅黑" panose="020B0503020204020204" pitchFamily="34" charset="-122"/>
                   </a:rPr>
-                  <a:t>	If</a:t>
-                </a:r>
-                <a:r>
-                  <a:rPr lang="zh-CN" altLang="en-US" dirty="0">
-                    <a:latin typeface="FandolSong-Bold-Identity-H"/>
-                    <a:ea typeface="微软雅黑" panose="020B0503020204020204" pitchFamily="34" charset="-122"/>
-                  </a:rPr>
-                  <a:t> </a:t>
-                </a:r>
-                <a:r>
-                  <a:rPr lang="en-US" altLang="zh-CN" dirty="0">
-                    <a:latin typeface="FandolSong-Bold-Identity-H"/>
-                    <a:ea typeface="微软雅黑" panose="020B0503020204020204" pitchFamily="34" charset="-122"/>
-                  </a:rPr>
-                  <a:t>|A|==|B|==</a:t>
-                </a:r>
-                <a:r>
-                  <a:rPr lang="zh-CN" altLang="en-US" dirty="0">
-                    <a:latin typeface="FandolSong-Bold-Identity-H"/>
-                    <a:ea typeface="微软雅黑" panose="020B0503020204020204" pitchFamily="34" charset="-122"/>
-                  </a:rPr>
-                  <a:t> </a:t>
-                </a:r>
-                <a:r>
-                  <a:rPr lang="en-US" altLang="zh-CN" dirty="0">
-                    <a:latin typeface="FandolSong-Bold-Identity-H"/>
-                    <a:ea typeface="微软雅黑" panose="020B0503020204020204" pitchFamily="34" charset="-122"/>
-                  </a:rPr>
-                  <a:t>1</a:t>
+                  <a:t>	If |A|==|B|== 1</a:t>
                 </a:r>
                 <a:endParaRPr lang="en-US" altLang="zh-CN" dirty="0">
-                  <a:latin typeface="FandolSong-Bold-Identity-H"/>
+                  <a:latin typeface="微软雅黑" panose="020B0503020204020204" pitchFamily="34" charset="-122"/>
                   <a:ea typeface="微软雅黑" panose="020B0503020204020204" pitchFamily="34" charset="-122"/>
                 </a:endParaRPr>
               </a:p>
               <a:p>
                 <a:r>
                   <a:rPr lang="en-US" altLang="zh-CN" dirty="0">
-                    <a:latin typeface="FandolSong-Bold-Identity-H"/>
+                    <a:latin typeface="微软雅黑" panose="020B0503020204020204" pitchFamily="34" charset="-122"/>
                     <a:ea typeface="微软雅黑" panose="020B0503020204020204" pitchFamily="34" charset="-122"/>
                   </a:rPr>
                   <a:t>		 return min(A[LA], B[LA])</a:t>
                 </a:r>
                 <a:endParaRPr lang="en-US" altLang="zh-CN" dirty="0">
-                  <a:latin typeface="FandolSong-Bold-Identity-H"/>
+                  <a:latin typeface="微软雅黑" panose="020B0503020204020204" pitchFamily="34" charset="-122"/>
                   <a:ea typeface="微软雅黑" panose="020B0503020204020204" pitchFamily="34" charset="-122"/>
                 </a:endParaRPr>
               </a:p>
               <a:p>
                 <a:r>
                   <a:rPr lang="en-US" altLang="zh-CN" dirty="0">
-                    <a:latin typeface="FandolSong-Bold-Identity-H"/>
+                    <a:latin typeface="微软雅黑" panose="020B0503020204020204" pitchFamily="34" charset="-122"/>
                     <a:ea typeface="微软雅黑" panose="020B0503020204020204" pitchFamily="34" charset="-122"/>
                   </a:rPr>
-                  <a:t>	else</a:t>
-                </a:r>
-                <a:r>
-                  <a:rPr lang="zh-CN" altLang="en-US" dirty="0">
-                    <a:latin typeface="FandolSong-Bold-Identity-H"/>
-                    <a:ea typeface="微软雅黑" panose="020B0503020204020204" pitchFamily="34" charset="-122"/>
-                  </a:rPr>
-                  <a:t> </a:t>
-                </a:r>
-                <a:r>
-                  <a:rPr lang="en-US" altLang="zh-CN" dirty="0">
-                    <a:latin typeface="FandolSong-Bold-Identity-H"/>
-                    <a:ea typeface="微软雅黑" panose="020B0503020204020204" pitchFamily="34" charset="-122"/>
-                  </a:rPr>
-                  <a:t>If</a:t>
-                </a:r>
-                <a:r>
-                  <a:rPr lang="zh-CN" altLang="en-US" dirty="0">
-                    <a:latin typeface="FandolSong-Bold-Identity-H"/>
-                    <a:ea typeface="微软雅黑" panose="020B0503020204020204" pitchFamily="34" charset="-122"/>
-                  </a:rPr>
-                  <a:t> </a:t>
-                </a:r>
-                <a:r>
-                  <a:rPr lang="en-US" altLang="zh-CN" dirty="0">
-                    <a:latin typeface="FandolSong-Bold-Identity-H"/>
-                    <a:ea typeface="微软雅黑" panose="020B0503020204020204" pitchFamily="34" charset="-122"/>
-                  </a:rPr>
-                  <a:t>|A|==|B|==</a:t>
-                </a:r>
-                <a:r>
-                  <a:rPr lang="zh-CN" altLang="en-US" dirty="0">
-                    <a:latin typeface="FandolSong-Bold-Identity-H"/>
-                    <a:ea typeface="微软雅黑" panose="020B0503020204020204" pitchFamily="34" charset="-122"/>
-                  </a:rPr>
-                  <a:t> </a:t>
-                </a:r>
-                <a:r>
-                  <a:rPr lang="en-US" altLang="zh-CN" dirty="0">
-                    <a:latin typeface="FandolSong-Bold-Identity-H"/>
-                    <a:ea typeface="微软雅黑" panose="020B0503020204020204" pitchFamily="34" charset="-122"/>
-                  </a:rPr>
-                  <a:t>2</a:t>
+                  <a:t>	else If |A|==|B|== 2</a:t>
                 </a:r>
                 <a:endParaRPr lang="en-US" altLang="zh-CN" dirty="0">
-                  <a:latin typeface="FandolSong-Bold-Identity-H"/>
+                  <a:latin typeface="微软雅黑" panose="020B0503020204020204" pitchFamily="34" charset="-122"/>
                   <a:ea typeface="微软雅黑" panose="020B0503020204020204" pitchFamily="34" charset="-122"/>
                 </a:endParaRPr>
               </a:p>
               <a:p>
                 <a:r>
                   <a:rPr lang="en-US" altLang="zh-CN" dirty="0">
-                    <a:latin typeface="FandolSong-Bold-Identity-H"/>
+                    <a:latin typeface="微软雅黑" panose="020B0503020204020204" pitchFamily="34" charset="-122"/>
                     <a:ea typeface="微软雅黑" panose="020B0503020204020204" pitchFamily="34" charset="-122"/>
                   </a:rPr>
                   <a:t>		 return min(A[LA], A[LA+1], B[LB], B[LB+1])</a:t>
                 </a:r>
                 <a:endParaRPr lang="en-US" altLang="zh-CN" dirty="0">
-                  <a:latin typeface="FandolSong-Bold-Identity-H"/>
+                  <a:latin typeface="微软雅黑" panose="020B0503020204020204" pitchFamily="34" charset="-122"/>
                   <a:ea typeface="微软雅黑" panose="020B0503020204020204" pitchFamily="34" charset="-122"/>
                 </a:endParaRPr>
               </a:p>
               <a:p>
                 <a:r>
                   <a:rPr lang="en-US" altLang="zh-CN" dirty="0">
-                    <a:latin typeface="FandolSong-Bold-Identity-H"/>
+                    <a:latin typeface="微软雅黑" panose="020B0503020204020204" pitchFamily="34" charset="-122"/>
                     <a:ea typeface="微软雅黑" panose="020B0503020204020204" pitchFamily="34" charset="-122"/>
                   </a:rPr>
                   <a:t>	else</a:t>
                 </a:r>
                 <a:endParaRPr lang="en-US" altLang="zh-CN" dirty="0">
-                  <a:latin typeface="FandolSong-Bold-Identity-H"/>
+                  <a:latin typeface="微软雅黑" panose="020B0503020204020204" pitchFamily="34" charset="-122"/>
                   <a:ea typeface="微软雅黑" panose="020B0503020204020204" pitchFamily="34" charset="-122"/>
                 </a:endParaRPr>
               </a:p>
               <a:p>
                 <a:r>
                   <a:rPr lang="en-US" altLang="zh-CN" dirty="0">
-                    <a:latin typeface="FandolSong-Bold-Identity-H"/>
+                    <a:latin typeface="微软雅黑" panose="020B0503020204020204" pitchFamily="34" charset="-122"/>
                     <a:ea typeface="微软雅黑" panose="020B0503020204020204" pitchFamily="34" charset="-122"/>
                   </a:rPr>
                   <a:t>	{</a:t>
                 </a:r>
                 <a:endParaRPr lang="en-US" altLang="zh-CN" dirty="0">
-                  <a:latin typeface="FandolSong-Bold-Identity-H"/>
+                  <a:latin typeface="微软雅黑" panose="020B0503020204020204" pitchFamily="34" charset="-122"/>
                   <a:ea typeface="微软雅黑" panose="020B0503020204020204" pitchFamily="34" charset="-122"/>
                 </a:endParaRPr>
               </a:p>
               <a:p>
                 <a:r>
                   <a:rPr lang="en-US" altLang="zh-CN" dirty="0">
-                    <a:latin typeface="FandolSong-Bold-Identity-H"/>
+                    <a:latin typeface="微软雅黑" panose="020B0503020204020204" pitchFamily="34" charset="-122"/>
                     <a:ea typeface="微软雅黑" panose="020B0503020204020204" pitchFamily="34" charset="-122"/>
                   </a:rPr>
-                  <a:t>		</a:t>
-                </a:r>
-                <a:r>
-                  <a:rPr lang="en-US" altLang="zh-CN" dirty="0" err="1">
-                    <a:latin typeface="FandolSong-Bold-Identity-H"/>
-                    <a:ea typeface="微软雅黑" panose="020B0503020204020204" pitchFamily="34" charset="-122"/>
-                  </a:rPr>
-                  <a:t>A_center</a:t>
-                </a:r>
-                <a:r>
-                  <a:rPr lang="en-US" altLang="zh-CN" dirty="0">
-                    <a:latin typeface="FandolSong-Bold-Identity-H"/>
-                    <a:ea typeface="微软雅黑" panose="020B0503020204020204" pitchFamily="34" charset="-122"/>
-                  </a:rPr>
-                  <a:t>, </a:t>
-                </a:r>
-                <a:r>
-                  <a:rPr lang="en-US" altLang="zh-CN" dirty="0" err="1">
-                    <a:latin typeface="FandolSong-Bold-Identity-H"/>
-                    <a:ea typeface="微软雅黑" panose="020B0503020204020204" pitchFamily="34" charset="-122"/>
-                  </a:rPr>
-                  <a:t>B_center</a:t>
-                </a:r>
-                <a:r>
-                  <a:rPr lang="en-US" altLang="zh-CN" dirty="0">
-                    <a:latin typeface="FandolSong-Bold-Identity-H"/>
-                    <a:ea typeface="微软雅黑" panose="020B0503020204020204" pitchFamily="34" charset="-122"/>
-                  </a:rPr>
-                  <a:t> = Query(A,</a:t>
+                  <a:t>		A_center, B_center = Query(A,</a:t>
                 </a:r>
                 <a14:m>
                   <m:oMath xmlns:m="http://schemas.openxmlformats.org/officeDocument/2006/math">
@@ -24204,8 +24102,8 @@
                         <m:begChr m:val="⌊"/>
                         <m:endChr m:val="⌋"/>
                         <m:ctrlPr>
-                          <a:rPr lang="en-US" altLang="zh-CN" i="1">
-                            <a:latin typeface="Cambria Math" panose="02040503050406030204" pitchFamily="18" charset="0"/>
+                          <a:rPr lang="en-US" altLang="zh-CN" dirty="0">
+                            <a:latin typeface="微软雅黑" panose="020B0503020204020204" pitchFamily="34" charset="-122"/>
                             <a:ea typeface="微软雅黑" panose="020B0503020204020204" pitchFamily="34" charset="-122"/>
                           </a:rPr>
                         </m:ctrlPr>
@@ -24214,30 +24112,30 @@
                         <m:f>
                           <m:fPr>
                             <m:ctrlPr>
-                              <a:rPr lang="en-US" altLang="zh-CN" i="1" smtClean="0">
-                                <a:latin typeface="Cambria Math" panose="02040503050406030204" pitchFamily="18" charset="0"/>
+                              <a:rPr lang="en-US" altLang="zh-CN" dirty="0">
+                                <a:latin typeface="微软雅黑" panose="020B0503020204020204" pitchFamily="34" charset="-122"/>
                                 <a:ea typeface="微软雅黑" panose="020B0503020204020204" pitchFamily="34" charset="-122"/>
                               </a:rPr>
                             </m:ctrlPr>
                           </m:fPr>
                           <m:num>
                             <m:r>
-                              <a:rPr lang="en-US" altLang="zh-CN" i="1">
-                                <a:latin typeface="Cambria Math" panose="02040503050406030204" pitchFamily="18" charset="0"/>
+                              <a:rPr lang="en-US" altLang="zh-CN" dirty="0">
+                                <a:latin typeface="微软雅黑" panose="020B0503020204020204" pitchFamily="34" charset="-122"/>
                                 <a:ea typeface="微软雅黑" panose="020B0503020204020204" pitchFamily="34" charset="-122"/>
                               </a:rPr>
                               <m:t>𝐿𝐴</m:t>
                             </m:r>
                             <m:r>
-                              <a:rPr lang="en-US" altLang="zh-CN" i="1">
-                                <a:latin typeface="Cambria Math" panose="02040503050406030204" pitchFamily="18" charset="0"/>
+                              <a:rPr lang="en-US" altLang="zh-CN" dirty="0">
+                                <a:latin typeface="微软雅黑" panose="020B0503020204020204" pitchFamily="34" charset="-122"/>
                                 <a:ea typeface="微软雅黑" panose="020B0503020204020204" pitchFamily="34" charset="-122"/>
                               </a:rPr>
                               <m:t>+</m:t>
                             </m:r>
                             <m:r>
-                              <a:rPr lang="en-US" altLang="zh-CN" i="1">
-                                <a:latin typeface="Cambria Math" panose="02040503050406030204" pitchFamily="18" charset="0"/>
+                              <a:rPr lang="en-US" altLang="zh-CN" dirty="0">
+                                <a:latin typeface="微软雅黑" panose="020B0503020204020204" pitchFamily="34" charset="-122"/>
                                 <a:ea typeface="微软雅黑" panose="020B0503020204020204" pitchFamily="34" charset="-122"/>
                               </a:rPr>
                               <m:t>𝑅𝐴</m:t>
@@ -24245,8 +24143,8 @@
                           </m:num>
                           <m:den>
                             <m:r>
-                              <a:rPr lang="en-US" altLang="zh-CN" b="0" i="1" smtClean="0">
-                                <a:latin typeface="Cambria Math" panose="02040503050406030204" pitchFamily="18" charset="0"/>
+                              <a:rPr lang="en-US" altLang="zh-CN" b="0" dirty="0">
+                                <a:latin typeface="微软雅黑" panose="020B0503020204020204" pitchFamily="34" charset="-122"/>
                                 <a:ea typeface="微软雅黑" panose="020B0503020204020204" pitchFamily="34" charset="-122"/>
                               </a:rPr>
                               <m:t>2</m:t>
@@ -24256,8 +24154,8 @@
                       </m:e>
                     </m:d>
                     <m:r>
-                      <a:rPr lang="en-US" altLang="zh-CN" b="0" i="1" smtClean="0">
-                        <a:latin typeface="Cambria Math" panose="02040503050406030204" pitchFamily="18" charset="0"/>
+                      <a:rPr lang="en-US" altLang="zh-CN" b="0" dirty="0">
+                        <a:latin typeface="微软雅黑" panose="020B0503020204020204" pitchFamily="34" charset="-122"/>
                         <a:ea typeface="微软雅黑" panose="020B0503020204020204" pitchFamily="34" charset="-122"/>
                       </a:rPr>
                       <m:t>)</m:t>
@@ -24266,7 +24164,7 @@
                 </a14:m>
                 <a:r>
                   <a:rPr lang="en-US" altLang="zh-CN" b="0" dirty="0">
-                    <a:latin typeface="FandolSong-Bold-Identity-H"/>
+                    <a:latin typeface="微软雅黑" panose="020B0503020204020204" pitchFamily="34" charset="-122"/>
                     <a:ea typeface="微软雅黑" panose="020B0503020204020204" pitchFamily="34" charset="-122"/>
                   </a:rPr>
                   <a:t>, Query(B,</a:t>
@@ -24278,8 +24176,8 @@
                         <m:begChr m:val="⌈"/>
                         <m:endChr m:val="⌉"/>
                         <m:ctrlPr>
-                          <a:rPr lang="en-US" altLang="zh-CN" i="1">
-                            <a:latin typeface="Cambria Math" panose="02040503050406030204" pitchFamily="18" charset="0"/>
+                          <a:rPr lang="en-US" altLang="zh-CN" dirty="0">
+                            <a:latin typeface="微软雅黑" panose="020B0503020204020204" pitchFamily="34" charset="-122"/>
                             <a:ea typeface="微软雅黑" panose="020B0503020204020204" pitchFamily="34" charset="-122"/>
                           </a:rPr>
                         </m:ctrlPr>
@@ -24288,16 +24186,16 @@
                         <m:f>
                           <m:fPr>
                             <m:ctrlPr>
-                              <a:rPr lang="en-US" altLang="zh-CN" i="1">
-                                <a:latin typeface="Cambria Math" panose="02040503050406030204" pitchFamily="18" charset="0"/>
+                              <a:rPr lang="en-US" altLang="zh-CN" dirty="0">
+                                <a:latin typeface="微软雅黑" panose="020B0503020204020204" pitchFamily="34" charset="-122"/>
                                 <a:ea typeface="微软雅黑" panose="020B0503020204020204" pitchFamily="34" charset="-122"/>
                               </a:rPr>
                             </m:ctrlPr>
                           </m:fPr>
                           <m:num>
                             <m:r>
-                              <a:rPr lang="en-US" altLang="zh-CN" i="1">
-                                <a:latin typeface="Cambria Math" panose="02040503050406030204" pitchFamily="18" charset="0"/>
+                              <a:rPr lang="en-US" altLang="zh-CN" dirty="0">
+                                <a:latin typeface="微软雅黑" panose="020B0503020204020204" pitchFamily="34" charset="-122"/>
                                 <a:ea typeface="微软雅黑" panose="020B0503020204020204" pitchFamily="34" charset="-122"/>
                               </a:rPr>
                               <m:t>𝐿</m:t>
@@ -24306,22 +24204,22 @@
                               <m:rPr>
                                 <m:sty m:val="p"/>
                               </m:rPr>
-                              <a:rPr lang="en-US" altLang="zh-CN" i="1">
-                                <a:latin typeface="Cambria Math" panose="02040503050406030204" pitchFamily="18" charset="0"/>
+                              <a:rPr lang="en-US" altLang="zh-CN" dirty="0">
+                                <a:latin typeface="微软雅黑" panose="020B0503020204020204" pitchFamily="34" charset="-122"/>
                                 <a:ea typeface="微软雅黑" panose="020B0503020204020204" pitchFamily="34" charset="-122"/>
                               </a:rPr>
                               <m:t>B</m:t>
                             </m:r>
                             <m:r>
-                              <a:rPr lang="en-US" altLang="zh-CN" i="1">
-                                <a:latin typeface="Cambria Math" panose="02040503050406030204" pitchFamily="18" charset="0"/>
+                              <a:rPr lang="en-US" altLang="zh-CN" dirty="0">
+                                <a:latin typeface="微软雅黑" panose="020B0503020204020204" pitchFamily="34" charset="-122"/>
                                 <a:ea typeface="微软雅黑" panose="020B0503020204020204" pitchFamily="34" charset="-122"/>
                               </a:rPr>
                               <m:t>+</m:t>
                             </m:r>
                             <m:r>
-                              <a:rPr lang="en-US" altLang="zh-CN" i="1">
-                                <a:latin typeface="Cambria Math" panose="02040503050406030204" pitchFamily="18" charset="0"/>
+                              <a:rPr lang="en-US" altLang="zh-CN" dirty="0">
+                                <a:latin typeface="微软雅黑" panose="020B0503020204020204" pitchFamily="34" charset="-122"/>
                                 <a:ea typeface="微软雅黑" panose="020B0503020204020204" pitchFamily="34" charset="-122"/>
                               </a:rPr>
                               <m:t>𝑅</m:t>
@@ -24330,8 +24228,8 @@
                               <m:rPr>
                                 <m:sty m:val="p"/>
                               </m:rPr>
-                              <a:rPr lang="en-US" altLang="zh-CN" i="1">
-                                <a:latin typeface="Cambria Math" panose="02040503050406030204" pitchFamily="18" charset="0"/>
+                              <a:rPr lang="en-US" altLang="zh-CN" dirty="0">
+                                <a:latin typeface="微软雅黑" panose="020B0503020204020204" pitchFamily="34" charset="-122"/>
                                 <a:ea typeface="微软雅黑" panose="020B0503020204020204" pitchFamily="34" charset="-122"/>
                               </a:rPr>
                               <m:t>B</m:t>
@@ -24339,8 +24237,8 @@
                           </m:num>
                           <m:den>
                             <m:r>
-                              <a:rPr lang="en-US" altLang="zh-CN" i="1">
-                                <a:latin typeface="Cambria Math" panose="02040503050406030204" pitchFamily="18" charset="0"/>
+                              <a:rPr lang="en-US" altLang="zh-CN" dirty="0">
+                                <a:latin typeface="微软雅黑" panose="020B0503020204020204" pitchFamily="34" charset="-122"/>
                                 <a:ea typeface="微软雅黑" panose="020B0503020204020204" pitchFamily="34" charset="-122"/>
                               </a:rPr>
                               <m:t>2</m:t>
@@ -24353,78 +24251,43 @@
                 </a14:m>
                 <a:r>
                   <a:rPr lang="en-US" altLang="zh-CN" b="0" dirty="0">
-                    <a:latin typeface="FandolSong-Bold-Identity-H"/>
+                    <a:latin typeface="微软雅黑" panose="020B0503020204020204" pitchFamily="34" charset="-122"/>
                     <a:ea typeface="微软雅黑" panose="020B0503020204020204" pitchFamily="34" charset="-122"/>
                   </a:rPr>
                   <a:t>)</a:t>
                 </a:r>
                 <a:endParaRPr lang="en-US" altLang="zh-CN" b="0" dirty="0">
-                  <a:latin typeface="FandolSong-Bold-Identity-H"/>
+                  <a:latin typeface="微软雅黑" panose="020B0503020204020204" pitchFamily="34" charset="-122"/>
                   <a:ea typeface="微软雅黑" panose="020B0503020204020204" pitchFamily="34" charset="-122"/>
                 </a:endParaRPr>
               </a:p>
               <a:p>
                 <a:r>
                   <a:rPr lang="en-US" altLang="zh-CN" dirty="0">
-                    <a:latin typeface="FandolSong-Bold-Identity-H"/>
+                    <a:latin typeface="微软雅黑" panose="020B0503020204020204" pitchFamily="34" charset="-122"/>
                     <a:ea typeface="微软雅黑" panose="020B0503020204020204" pitchFamily="34" charset="-122"/>
                   </a:rPr>
-                  <a:t>		if </a:t>
-                </a:r>
-                <a:r>
-                  <a:rPr lang="en-US" altLang="zh-CN" dirty="0" err="1">
-                    <a:latin typeface="FandolSong-Bold-Identity-H"/>
-                    <a:ea typeface="微软雅黑" panose="020B0503020204020204" pitchFamily="34" charset="-122"/>
-                  </a:rPr>
-                  <a:t>A_center</a:t>
-                </a:r>
-                <a:r>
-                  <a:rPr lang="en-US" altLang="zh-CN" dirty="0">
-                    <a:latin typeface="FandolSong-Bold-Identity-H"/>
-                    <a:ea typeface="微软雅黑" panose="020B0503020204020204" pitchFamily="34" charset="-122"/>
-                  </a:rPr>
-                  <a:t> &lt; </a:t>
-                </a:r>
-                <a:r>
-                  <a:rPr lang="en-US" altLang="zh-CN" dirty="0" err="1">
-                    <a:latin typeface="FandolSong-Bold-Identity-H"/>
-                    <a:ea typeface="微软雅黑" panose="020B0503020204020204" pitchFamily="34" charset="-122"/>
-                  </a:rPr>
-                  <a:t>B_center</a:t>
-                </a:r>
-                <a:r>
-                  <a:rPr lang="en-US" altLang="zh-CN" dirty="0">
-                    <a:latin typeface="FandolSong-Bold-Identity-H"/>
-                    <a:ea typeface="微软雅黑" panose="020B0503020204020204" pitchFamily="34" charset="-122"/>
-                  </a:rPr>
-                  <a:t> </a:t>
+                  <a:t>		if A_center &lt; B_center </a:t>
                 </a:r>
                 <a:endParaRPr lang="en-US" altLang="zh-CN" dirty="0">
-                  <a:latin typeface="FandolSong-Bold-Identity-H"/>
+                  <a:latin typeface="微软雅黑" panose="020B0503020204020204" pitchFamily="34" charset="-122"/>
                   <a:ea typeface="微软雅黑" panose="020B0503020204020204" pitchFamily="34" charset="-122"/>
                 </a:endParaRPr>
               </a:p>
               <a:p>
                 <a:r>
                   <a:rPr lang="en-US" altLang="zh-CN" b="0" dirty="0">
-                    <a:latin typeface="FandolSong-Bold-Identity-H"/>
+                    <a:latin typeface="微软雅黑" panose="020B0503020204020204" pitchFamily="34" charset="-122"/>
                     <a:ea typeface="微软雅黑" panose="020B0503020204020204" pitchFamily="34" charset="-122"/>
                   </a:rPr>
                   <a:t>			return </a:t>
                 </a:r>
                 <a:r>
-                  <a:rPr lang="en-US" altLang="zh-CN" dirty="0" err="1">
-                    <a:latin typeface="FandolSong-Bold-Identity-H"/>
+                  <a:rPr lang="en-US" altLang="zh-CN" dirty="0">
+                    <a:latin typeface="微软雅黑" panose="020B0503020204020204" pitchFamily="34" charset="-122"/>
                     <a:ea typeface="微软雅黑" panose="020B0503020204020204" pitchFamily="34" charset="-122"/>
                   </a:rPr>
-                  <a:t>Find_Meidian</a:t>
-                </a:r>
-                <a:r>
-                  <a:rPr lang="en-US" altLang="zh-CN" dirty="0">
-                    <a:latin typeface="FandolSong-Bold-Identity-H"/>
-                    <a:ea typeface="微软雅黑" panose="020B0503020204020204" pitchFamily="34" charset="-122"/>
-                  </a:rPr>
-                  <a:t>(</a:t>
+                  <a:t>Find_Meidian(</a:t>
                 </a:r>
                 <a14:m>
                   <m:oMath xmlns:m="http://schemas.openxmlformats.org/officeDocument/2006/math">
@@ -24433,8 +24296,8 @@
                         <m:begChr m:val="⌊"/>
                         <m:endChr m:val="⌋"/>
                         <m:ctrlPr>
-                          <a:rPr lang="en-US" altLang="zh-CN" i="1">
-                            <a:latin typeface="Cambria Math" panose="02040503050406030204" pitchFamily="18" charset="0"/>
+                          <a:rPr lang="en-US" altLang="zh-CN" dirty="0">
+                            <a:latin typeface="微软雅黑" panose="020B0503020204020204" pitchFamily="34" charset="-122"/>
                             <a:ea typeface="微软雅黑" panose="020B0503020204020204" pitchFamily="34" charset="-122"/>
                           </a:rPr>
                         </m:ctrlPr>
@@ -24443,30 +24306,30 @@
                         <m:f>
                           <m:fPr>
                             <m:ctrlPr>
-                              <a:rPr lang="en-US" altLang="zh-CN" i="1">
-                                <a:latin typeface="Cambria Math" panose="02040503050406030204" pitchFamily="18" charset="0"/>
+                              <a:rPr lang="en-US" altLang="zh-CN" dirty="0">
+                                <a:latin typeface="微软雅黑" panose="020B0503020204020204" pitchFamily="34" charset="-122"/>
                                 <a:ea typeface="微软雅黑" panose="020B0503020204020204" pitchFamily="34" charset="-122"/>
                               </a:rPr>
                             </m:ctrlPr>
                           </m:fPr>
                           <m:num>
                             <m:r>
-                              <a:rPr lang="en-US" altLang="zh-CN" i="1">
-                                <a:latin typeface="Cambria Math" panose="02040503050406030204" pitchFamily="18" charset="0"/>
+                              <a:rPr lang="en-US" altLang="zh-CN" dirty="0">
+                                <a:latin typeface="微软雅黑" panose="020B0503020204020204" pitchFamily="34" charset="-122"/>
                                 <a:ea typeface="微软雅黑" panose="020B0503020204020204" pitchFamily="34" charset="-122"/>
                               </a:rPr>
                               <m:t>𝐿𝐴</m:t>
                             </m:r>
                             <m:r>
-                              <a:rPr lang="en-US" altLang="zh-CN" i="1">
-                                <a:latin typeface="Cambria Math" panose="02040503050406030204" pitchFamily="18" charset="0"/>
+                              <a:rPr lang="en-US" altLang="zh-CN" dirty="0">
+                                <a:latin typeface="微软雅黑" panose="020B0503020204020204" pitchFamily="34" charset="-122"/>
                                 <a:ea typeface="微软雅黑" panose="020B0503020204020204" pitchFamily="34" charset="-122"/>
                               </a:rPr>
                               <m:t>+</m:t>
                             </m:r>
                             <m:r>
-                              <a:rPr lang="en-US" altLang="zh-CN" i="1">
-                                <a:latin typeface="Cambria Math" panose="02040503050406030204" pitchFamily="18" charset="0"/>
+                              <a:rPr lang="en-US" altLang="zh-CN" dirty="0">
+                                <a:latin typeface="微软雅黑" panose="020B0503020204020204" pitchFamily="34" charset="-122"/>
                                 <a:ea typeface="微软雅黑" panose="020B0503020204020204" pitchFamily="34" charset="-122"/>
                               </a:rPr>
                               <m:t>𝑅𝐴</m:t>
@@ -24474,8 +24337,8 @@
                           </m:num>
                           <m:den>
                             <m:r>
-                              <a:rPr lang="en-US" altLang="zh-CN" i="1">
-                                <a:latin typeface="Cambria Math" panose="02040503050406030204" pitchFamily="18" charset="0"/>
+                              <a:rPr lang="en-US" altLang="zh-CN" dirty="0">
+                                <a:latin typeface="微软雅黑" panose="020B0503020204020204" pitchFamily="34" charset="-122"/>
                                 <a:ea typeface="微软雅黑" panose="020B0503020204020204" pitchFamily="34" charset="-122"/>
                               </a:rPr>
                               <m:t>2</m:t>
@@ -24488,7 +24351,7 @@
                 </a14:m>
                 <a:r>
                   <a:rPr lang="en-US" altLang="zh-CN" dirty="0">
-                    <a:latin typeface="FandolSong-Bold-Identity-H"/>
+                    <a:latin typeface="微软雅黑" panose="020B0503020204020204" pitchFamily="34" charset="-122"/>
                     <a:ea typeface="微软雅黑" panose="020B0503020204020204" pitchFamily="34" charset="-122"/>
                   </a:rPr>
                   <a:t>, RA, LB, </a:t>
@@ -24500,8 +24363,8 @@
                         <m:begChr m:val="⌈"/>
                         <m:endChr m:val="⌉"/>
                         <m:ctrlPr>
-                          <a:rPr lang="en-US" altLang="zh-CN" i="1">
-                            <a:latin typeface="Cambria Math" panose="02040503050406030204" pitchFamily="18" charset="0"/>
+                          <a:rPr lang="en-US" altLang="zh-CN" dirty="0">
+                            <a:latin typeface="微软雅黑" panose="020B0503020204020204" pitchFamily="34" charset="-122"/>
                             <a:ea typeface="微软雅黑" panose="020B0503020204020204" pitchFamily="34" charset="-122"/>
                           </a:rPr>
                         </m:ctrlPr>
@@ -24510,16 +24373,16 @@
                         <m:f>
                           <m:fPr>
                             <m:ctrlPr>
-                              <a:rPr lang="en-US" altLang="zh-CN" i="1">
-                                <a:latin typeface="Cambria Math" panose="02040503050406030204" pitchFamily="18" charset="0"/>
+                              <a:rPr lang="en-US" altLang="zh-CN" dirty="0">
+                                <a:latin typeface="微软雅黑" panose="020B0503020204020204" pitchFamily="34" charset="-122"/>
                                 <a:ea typeface="微软雅黑" panose="020B0503020204020204" pitchFamily="34" charset="-122"/>
                               </a:rPr>
                             </m:ctrlPr>
                           </m:fPr>
                           <m:num>
                             <m:r>
-                              <a:rPr lang="en-US" altLang="zh-CN" i="1">
-                                <a:latin typeface="Cambria Math" panose="02040503050406030204" pitchFamily="18" charset="0"/>
+                              <a:rPr lang="en-US" altLang="zh-CN" dirty="0">
+                                <a:latin typeface="微软雅黑" panose="020B0503020204020204" pitchFamily="34" charset="-122"/>
                                 <a:ea typeface="微软雅黑" panose="020B0503020204020204" pitchFamily="34" charset="-122"/>
                               </a:rPr>
                               <m:t>𝐿</m:t>
@@ -24528,22 +24391,22 @@
                               <m:rPr>
                                 <m:sty m:val="p"/>
                               </m:rPr>
-                              <a:rPr lang="en-US" altLang="zh-CN" i="1">
-                                <a:latin typeface="Cambria Math" panose="02040503050406030204" pitchFamily="18" charset="0"/>
+                              <a:rPr lang="en-US" altLang="zh-CN" dirty="0">
+                                <a:latin typeface="微软雅黑" panose="020B0503020204020204" pitchFamily="34" charset="-122"/>
                                 <a:ea typeface="微软雅黑" panose="020B0503020204020204" pitchFamily="34" charset="-122"/>
                               </a:rPr>
                               <m:t>B</m:t>
                             </m:r>
                             <m:r>
-                              <a:rPr lang="en-US" altLang="zh-CN" i="1">
-                                <a:latin typeface="Cambria Math" panose="02040503050406030204" pitchFamily="18" charset="0"/>
+                              <a:rPr lang="en-US" altLang="zh-CN" dirty="0">
+                                <a:latin typeface="微软雅黑" panose="020B0503020204020204" pitchFamily="34" charset="-122"/>
                                 <a:ea typeface="微软雅黑" panose="020B0503020204020204" pitchFamily="34" charset="-122"/>
                               </a:rPr>
                               <m:t>+</m:t>
                             </m:r>
                             <m:r>
-                              <a:rPr lang="en-US" altLang="zh-CN" i="1">
-                                <a:latin typeface="Cambria Math" panose="02040503050406030204" pitchFamily="18" charset="0"/>
+                              <a:rPr lang="en-US" altLang="zh-CN" dirty="0">
+                                <a:latin typeface="微软雅黑" panose="020B0503020204020204" pitchFamily="34" charset="-122"/>
                                 <a:ea typeface="微软雅黑" panose="020B0503020204020204" pitchFamily="34" charset="-122"/>
                               </a:rPr>
                               <m:t>𝑅</m:t>
@@ -24552,8 +24415,8 @@
                               <m:rPr>
                                 <m:sty m:val="p"/>
                               </m:rPr>
-                              <a:rPr lang="en-US" altLang="zh-CN" i="1">
-                                <a:latin typeface="Cambria Math" panose="02040503050406030204" pitchFamily="18" charset="0"/>
+                              <a:rPr lang="en-US" altLang="zh-CN" dirty="0">
+                                <a:latin typeface="微软雅黑" panose="020B0503020204020204" pitchFamily="34" charset="-122"/>
                                 <a:ea typeface="微软雅黑" panose="020B0503020204020204" pitchFamily="34" charset="-122"/>
                               </a:rPr>
                               <m:t>B</m:t>
@@ -24561,8 +24424,8 @@
                           </m:num>
                           <m:den>
                             <m:r>
-                              <a:rPr lang="en-US" altLang="zh-CN" i="1">
-                                <a:latin typeface="Cambria Math" panose="02040503050406030204" pitchFamily="18" charset="0"/>
+                              <a:rPr lang="en-US" altLang="zh-CN" dirty="0">
+                                <a:latin typeface="微软雅黑" panose="020B0503020204020204" pitchFamily="34" charset="-122"/>
                                 <a:ea typeface="微软雅黑" panose="020B0503020204020204" pitchFamily="34" charset="-122"/>
                               </a:rPr>
                               <m:t>2</m:t>
@@ -24575,57 +24438,50 @@
                 </a14:m>
                 <a:r>
                   <a:rPr lang="en-US" altLang="zh-CN" dirty="0">
-                    <a:latin typeface="FandolSong-Bold-Identity-H"/>
+                    <a:latin typeface="微软雅黑" panose="020B0503020204020204" pitchFamily="34" charset="-122"/>
                     <a:ea typeface="微软雅黑" panose="020B0503020204020204" pitchFamily="34" charset="-122"/>
                   </a:rPr>
                   <a:t>, A, B)</a:t>
                 </a:r>
                 <a:endParaRPr lang="en-US" altLang="zh-CN" dirty="0">
-                  <a:latin typeface="FandolSong-Bold-Identity-H"/>
+                  <a:latin typeface="微软雅黑" panose="020B0503020204020204" pitchFamily="34" charset="-122"/>
                   <a:ea typeface="微软雅黑" panose="020B0503020204020204" pitchFamily="34" charset="-122"/>
                 </a:endParaRPr>
               </a:p>
               <a:p>
                 <a:r>
                   <a:rPr lang="en-US" altLang="zh-CN" dirty="0">
-                    <a:latin typeface="FandolSong-Bold-Identity-H"/>
+                    <a:latin typeface="微软雅黑" panose="020B0503020204020204" pitchFamily="34" charset="-122"/>
                     <a:ea typeface="微软雅黑" panose="020B0503020204020204" pitchFamily="34" charset="-122"/>
                   </a:rPr>
                   <a:t>		else	</a:t>
                 </a:r>
                 <a:endParaRPr lang="en-US" altLang="zh-CN" dirty="0">
-                  <a:latin typeface="FandolSong-Bold-Identity-H"/>
+                  <a:latin typeface="微软雅黑" panose="020B0503020204020204" pitchFamily="34" charset="-122"/>
                   <a:ea typeface="微软雅黑" panose="020B0503020204020204" pitchFamily="34" charset="-122"/>
                 </a:endParaRPr>
               </a:p>
               <a:p>
                 <a:r>
                   <a:rPr lang="en-US" altLang="zh-CN" dirty="0">
-                    <a:latin typeface="FandolSong-Bold-Identity-H"/>
+                    <a:latin typeface="微软雅黑" panose="020B0503020204020204" pitchFamily="34" charset="-122"/>
                     <a:ea typeface="微软雅黑" panose="020B0503020204020204" pitchFamily="34" charset="-122"/>
                   </a:rPr>
                   <a:t>			</a:t>
                 </a:r>
                 <a:r>
                   <a:rPr lang="en-US" altLang="zh-CN" b="0" dirty="0">
-                    <a:latin typeface="FandolSong-Bold-Identity-H"/>
+                    <a:latin typeface="微软雅黑" panose="020B0503020204020204" pitchFamily="34" charset="-122"/>
                     <a:ea typeface="微软雅黑" panose="020B0503020204020204" pitchFamily="34" charset="-122"/>
                   </a:rPr>
                   <a:t>return </a:t>
                 </a:r>
                 <a:r>
-                  <a:rPr lang="en-US" altLang="zh-CN" dirty="0" err="1">
-                    <a:latin typeface="FandolSong-Bold-Identity-H"/>
+                  <a:rPr lang="en-US" altLang="zh-CN" dirty="0">
+                    <a:latin typeface="微软雅黑" panose="020B0503020204020204" pitchFamily="34" charset="-122"/>
                     <a:ea typeface="微软雅黑" panose="020B0503020204020204" pitchFamily="34" charset="-122"/>
                   </a:rPr>
-                  <a:t>Find_Meidian</a:t>
-                </a:r>
-                <a:r>
-                  <a:rPr lang="en-US" altLang="zh-CN" dirty="0">
-                    <a:latin typeface="FandolSong-Bold-Identity-H"/>
-                    <a:ea typeface="微软雅黑" panose="020B0503020204020204" pitchFamily="34" charset="-122"/>
-                  </a:rPr>
-                  <a:t>(LA, </a:t>
+                  <a:t>Find_Meidian(LA, </a:t>
                 </a:r>
                 <a14:m>
                   <m:oMath xmlns:m="http://schemas.openxmlformats.org/officeDocument/2006/math">
@@ -24634,8 +24490,8 @@
                         <m:begChr m:val="⌊"/>
                         <m:endChr m:val="⌋"/>
                         <m:ctrlPr>
-                          <a:rPr lang="en-US" altLang="zh-CN" i="1">
-                            <a:latin typeface="Cambria Math" panose="02040503050406030204" pitchFamily="18" charset="0"/>
+                          <a:rPr lang="en-US" altLang="zh-CN" dirty="0">
+                            <a:latin typeface="微软雅黑" panose="020B0503020204020204" pitchFamily="34" charset="-122"/>
                             <a:ea typeface="微软雅黑" panose="020B0503020204020204" pitchFamily="34" charset="-122"/>
                           </a:rPr>
                         </m:ctrlPr>
@@ -24644,37 +24500,37 @@
                         <m:f>
                           <m:fPr>
                             <m:ctrlPr>
-                              <a:rPr lang="en-US" altLang="zh-CN" i="1">
-                                <a:latin typeface="Cambria Math" panose="02040503050406030204" pitchFamily="18" charset="0"/>
+                              <a:rPr lang="en-US" altLang="zh-CN" dirty="0">
+                                <a:latin typeface="微软雅黑" panose="020B0503020204020204" pitchFamily="34" charset="-122"/>
                                 <a:ea typeface="微软雅黑" panose="020B0503020204020204" pitchFamily="34" charset="-122"/>
                               </a:rPr>
                             </m:ctrlPr>
                           </m:fPr>
                           <m:num>
                             <m:r>
-                              <a:rPr lang="en-US" altLang="zh-CN" i="1">
-                                <a:latin typeface="Cambria Math" panose="02040503050406030204" pitchFamily="18" charset="0"/>
+                              <a:rPr lang="en-US" altLang="zh-CN" dirty="0">
+                                <a:latin typeface="微软雅黑" panose="020B0503020204020204" pitchFamily="34" charset="-122"/>
                                 <a:ea typeface="微软雅黑" panose="020B0503020204020204" pitchFamily="34" charset="-122"/>
                               </a:rPr>
                               <m:t>𝐿</m:t>
                             </m:r>
                             <m:r>
-                              <a:rPr lang="en-US" altLang="zh-CN" b="0" i="1" smtClean="0">
-                                <a:latin typeface="Cambria Math" panose="02040503050406030204" pitchFamily="18" charset="0"/>
+                              <a:rPr lang="en-US" altLang="zh-CN" b="0" dirty="0">
+                                <a:latin typeface="微软雅黑" panose="020B0503020204020204" pitchFamily="34" charset="-122"/>
                                 <a:ea typeface="微软雅黑" panose="020B0503020204020204" pitchFamily="34" charset="-122"/>
                               </a:rPr>
                               <m:t>𝐴</m:t>
                             </m:r>
                             <m:r>
-                              <a:rPr lang="en-US" altLang="zh-CN" i="1">
-                                <a:latin typeface="Cambria Math" panose="02040503050406030204" pitchFamily="18" charset="0"/>
+                              <a:rPr lang="en-US" altLang="zh-CN" dirty="0">
+                                <a:latin typeface="微软雅黑" panose="020B0503020204020204" pitchFamily="34" charset="-122"/>
                                 <a:ea typeface="微软雅黑" panose="020B0503020204020204" pitchFamily="34" charset="-122"/>
                               </a:rPr>
                               <m:t>+</m:t>
                             </m:r>
                             <m:r>
-                              <a:rPr lang="en-US" altLang="zh-CN" i="1">
-                                <a:latin typeface="Cambria Math" panose="02040503050406030204" pitchFamily="18" charset="0"/>
+                              <a:rPr lang="en-US" altLang="zh-CN" dirty="0">
+                                <a:latin typeface="微软雅黑" panose="020B0503020204020204" pitchFamily="34" charset="-122"/>
                                 <a:ea typeface="微软雅黑" panose="020B0503020204020204" pitchFamily="34" charset="-122"/>
                               </a:rPr>
                               <m:t>𝑅𝐴</m:t>
@@ -24682,8 +24538,8 @@
                           </m:num>
                           <m:den>
                             <m:r>
-                              <a:rPr lang="en-US" altLang="zh-CN" i="1">
-                                <a:latin typeface="Cambria Math" panose="02040503050406030204" pitchFamily="18" charset="0"/>
+                              <a:rPr lang="en-US" altLang="zh-CN" dirty="0">
+                                <a:latin typeface="微软雅黑" panose="020B0503020204020204" pitchFamily="34" charset="-122"/>
                                 <a:ea typeface="微软雅黑" panose="020B0503020204020204" pitchFamily="34" charset="-122"/>
                               </a:rPr>
                               <m:t>2</m:t>
@@ -24696,7 +24552,7 @@
                 </a14:m>
                 <a:r>
                   <a:rPr lang="en-US" altLang="zh-CN" dirty="0">
-                    <a:latin typeface="FandolSong-Bold-Identity-H"/>
+                    <a:latin typeface="微软雅黑" panose="020B0503020204020204" pitchFamily="34" charset="-122"/>
                     <a:ea typeface="微软雅黑" panose="020B0503020204020204" pitchFamily="34" charset="-122"/>
                   </a:rPr>
                   <a:t>, </a:t>
@@ -24708,8 +24564,8 @@
                         <m:begChr m:val="⌈"/>
                         <m:endChr m:val="⌉"/>
                         <m:ctrlPr>
-                          <a:rPr lang="en-US" altLang="zh-CN" i="1" smtClean="0">
-                            <a:latin typeface="Cambria Math" panose="02040503050406030204" pitchFamily="18" charset="0"/>
+                          <a:rPr lang="en-US" altLang="zh-CN" dirty="0">
+                            <a:latin typeface="微软雅黑" panose="020B0503020204020204" pitchFamily="34" charset="-122"/>
                             <a:ea typeface="微软雅黑" panose="020B0503020204020204" pitchFamily="34" charset="-122"/>
                           </a:rPr>
                         </m:ctrlPr>
@@ -24718,37 +24574,37 @@
                         <m:f>
                           <m:fPr>
                             <m:ctrlPr>
-                              <a:rPr lang="en-US" altLang="zh-CN" i="1">
-                                <a:latin typeface="Cambria Math" panose="02040503050406030204" pitchFamily="18" charset="0"/>
+                              <a:rPr lang="en-US" altLang="zh-CN" dirty="0">
+                                <a:latin typeface="微软雅黑" panose="020B0503020204020204" pitchFamily="34" charset="-122"/>
                                 <a:ea typeface="微软雅黑" panose="020B0503020204020204" pitchFamily="34" charset="-122"/>
                               </a:rPr>
                             </m:ctrlPr>
                           </m:fPr>
                           <m:num>
                             <m:r>
-                              <a:rPr lang="en-US" altLang="zh-CN" i="1">
-                                <a:latin typeface="Cambria Math" panose="02040503050406030204" pitchFamily="18" charset="0"/>
+                              <a:rPr lang="en-US" altLang="zh-CN" dirty="0">
+                                <a:latin typeface="微软雅黑" panose="020B0503020204020204" pitchFamily="34" charset="-122"/>
                                 <a:ea typeface="微软雅黑" panose="020B0503020204020204" pitchFamily="34" charset="-122"/>
                               </a:rPr>
                               <m:t>𝐿</m:t>
                             </m:r>
                             <m:r>
-                              <a:rPr lang="en-US" altLang="zh-CN" b="0" i="1" smtClean="0">
-                                <a:latin typeface="Cambria Math" panose="02040503050406030204" pitchFamily="18" charset="0"/>
+                              <a:rPr lang="en-US" altLang="zh-CN" b="0" dirty="0">
+                                <a:latin typeface="微软雅黑" panose="020B0503020204020204" pitchFamily="34" charset="-122"/>
                                 <a:ea typeface="微软雅黑" panose="020B0503020204020204" pitchFamily="34" charset="-122"/>
                               </a:rPr>
                               <m:t>𝐵</m:t>
                             </m:r>
                             <m:r>
-                              <a:rPr lang="en-US" altLang="zh-CN" i="1">
-                                <a:latin typeface="Cambria Math" panose="02040503050406030204" pitchFamily="18" charset="0"/>
+                              <a:rPr lang="en-US" altLang="zh-CN" dirty="0">
+                                <a:latin typeface="微软雅黑" panose="020B0503020204020204" pitchFamily="34" charset="-122"/>
                                 <a:ea typeface="微软雅黑" panose="020B0503020204020204" pitchFamily="34" charset="-122"/>
                               </a:rPr>
                               <m:t>+</m:t>
                             </m:r>
                             <m:r>
-                              <a:rPr lang="en-US" altLang="zh-CN" i="1">
-                                <a:latin typeface="Cambria Math" panose="02040503050406030204" pitchFamily="18" charset="0"/>
+                              <a:rPr lang="en-US" altLang="zh-CN" dirty="0">
+                                <a:latin typeface="微软雅黑" panose="020B0503020204020204" pitchFamily="34" charset="-122"/>
                                 <a:ea typeface="微软雅黑" panose="020B0503020204020204" pitchFamily="34" charset="-122"/>
                               </a:rPr>
                               <m:t>𝑅𝐵</m:t>
@@ -24756,8 +24612,8 @@
                           </m:num>
                           <m:den>
                             <m:r>
-                              <a:rPr lang="en-US" altLang="zh-CN" i="1">
-                                <a:latin typeface="Cambria Math" panose="02040503050406030204" pitchFamily="18" charset="0"/>
+                              <a:rPr lang="en-US" altLang="zh-CN" dirty="0">
+                                <a:latin typeface="微软雅黑" panose="020B0503020204020204" pitchFamily="34" charset="-122"/>
                                 <a:ea typeface="微软雅黑" panose="020B0503020204020204" pitchFamily="34" charset="-122"/>
                               </a:rPr>
                               <m:t>2</m:t>
@@ -24770,38 +24626,41 @@
                 </a14:m>
                 <a:r>
                   <a:rPr lang="en-US" altLang="zh-CN" dirty="0">
-                    <a:latin typeface="FandolSong-Bold-Identity-H"/>
+                    <a:latin typeface="微软雅黑" panose="020B0503020204020204" pitchFamily="34" charset="-122"/>
                     <a:ea typeface="微软雅黑" panose="020B0503020204020204" pitchFamily="34" charset="-122"/>
                   </a:rPr>
                   <a:t>, RB, A, B)</a:t>
                 </a:r>
                 <a:endParaRPr lang="en-US" altLang="zh-CN" dirty="0">
-                  <a:latin typeface="FandolSong-Bold-Identity-H"/>
+                  <a:latin typeface="微软雅黑" panose="020B0503020204020204" pitchFamily="34" charset="-122"/>
                   <a:ea typeface="微软雅黑" panose="020B0503020204020204" pitchFamily="34" charset="-122"/>
                 </a:endParaRPr>
               </a:p>
               <a:p>
                 <a:r>
                   <a:rPr lang="en-US" altLang="zh-CN" dirty="0">
-                    <a:latin typeface="FandolSong-Bold-Identity-H"/>
+                    <a:latin typeface="微软雅黑" panose="020B0503020204020204" pitchFamily="34" charset="-122"/>
                     <a:ea typeface="微软雅黑" panose="020B0503020204020204" pitchFamily="34" charset="-122"/>
                   </a:rPr>
                   <a:t>	}</a:t>
                 </a:r>
                 <a:endParaRPr lang="en-US" altLang="zh-CN" dirty="0">
-                  <a:latin typeface="FandolSong-Bold-Identity-H"/>
+                  <a:latin typeface="微软雅黑" panose="020B0503020204020204" pitchFamily="34" charset="-122"/>
                   <a:ea typeface="微软雅黑" panose="020B0503020204020204" pitchFamily="34" charset="-122"/>
                 </a:endParaRPr>
               </a:p>
               <a:p>
                 <a:r>
                   <a:rPr lang="en-US" altLang="zh-CN" dirty="0">
-                    <a:latin typeface="FandolSong-Bold-Identity-H"/>
+                    <a:latin typeface="微软雅黑" panose="020B0503020204020204" pitchFamily="34" charset="-122"/>
                     <a:ea typeface="微软雅黑" panose="020B0503020204020204" pitchFamily="34" charset="-122"/>
                   </a:rPr>
                   <a:t>}</a:t>
                 </a:r>
-                <a:endParaRPr lang="zh-CN" altLang="en-US" dirty="0"/>
+                <a:endParaRPr lang="en-US" altLang="zh-CN" dirty="0">
+                  <a:latin typeface="微软雅黑" panose="020B0503020204020204" pitchFamily="34" charset="-122"/>
+                  <a:ea typeface="微软雅黑" panose="020B0503020204020204" pitchFamily="34" charset="-122"/>
+                </a:endParaRPr>
               </a:p>
             </p:txBody>
           </p:sp>
@@ -24818,7 +24677,7 @@
             <p:spPr>
               <a:xfrm>
                 <a:off x="216111" y="809725"/>
-                <a:ext cx="8518337" cy="5792548"/>
+                <a:ext cx="8518337" cy="5788025"/>
               </a:xfrm>
               <a:prstGeom prst="rect">
                 <a:avLst/>
@@ -24826,7 +24685,7 @@
               <a:blipFill rotWithShape="1">
                 <a:blip r:embed="rId1"/>
                 <a:stretch>
-                  <a:fillRect l="-2" t="-2" b="-19313"/>
+                  <a:fillRect l="-2" t="-2" b="2"/>
                 </a:stretch>
               </a:blipFill>
             </p:spPr>
@@ -34691,6 +34550,13 @@
 </p:sld>
 </file>
 
+<file path=ppt/tags/tag1.xml><?xml version="1.0" encoding="utf-8"?>
+<p:tagLst xmlns:p="http://schemas.openxmlformats.org/presentationml/2006/main">
+  <p:tag name="KSO_WPP_MARK_KEY" val="f2a331db-f4ea-445a-b370-ca231dfc7525"/>
+  <p:tag name="COMMONDATA" val="eyJoZGlkIjoiNzc4ZDAzZTU4NTU5ODRlOWU3ZGE2N2Y3OGI1NWI1ZjkifQ=="/>
+</p:tagLst>
+</file>
+
 <file path=ppt/theme/theme1.xml><?xml version="1.0" encoding="utf-8"?>
 <a:theme xmlns:a="http://schemas.openxmlformats.org/drawingml/2006/main" name="Office 主题">
   <a:themeElements>
